--- a/files/Google B2B research.pptx
+++ b/files/Google B2B research.pptx
@@ -3465,8 +3465,8 @@
         </p:nvSpPr>
         <p:spPr>
           <a:xfrm>
-            <a:off x="585924" y="2405543"/>
-            <a:ext cx="10979056" cy="646331"/>
+            <a:off x="585923" y="2274911"/>
+            <a:ext cx="11161937" cy="1200329"/>
           </a:xfrm>
           <a:prstGeom prst="rect">
             <a:avLst/>
@@ -3484,6 +3484,7 @@
           </a:bodyPr>
           <a:lstStyle/>
           <a:p>
+            <a:pPr marL="1941513" indent="-1941513"/>
             <a:r>
               <a:rPr lang="en-US" dirty="0">
                 <a:solidFill>
@@ -3491,7 +3492,7 @@
                 </a:solidFill>
                 <a:latin typeface="Open Sans" panose="020B0606030504020204" pitchFamily="34" charset="0"/>
               </a:rPr>
-              <a:t>Translation specs: 5,000 words, 26 countries and 31 languages, human translation + review</a:t>
+              <a:t>Translation specs: survey with 5,000 words, 26 countries and 31 languages, human translation + review 100,000 words of verbatim, 20 countries and 20 languages, human translation for character-based languages and machine translation for the other languages</a:t>
             </a:r>
           </a:p>
           <a:p>
